--- a/design-resource.pptx
+++ b/design-resource.pptx
@@ -104,6 +104,11 @@
       </a:defRPr>
     </a:lvl9pPr>
   </p:defaultTextStyle>
+  <p:extLst>
+    <p:ext uri="{EFAFB233-063F-42B5-8137-9DF3F51BA10A}">
+      <p15:sldGuideLst xmlns:p15="http://schemas.microsoft.com/office/powerpoint/2012/main"/>
+    </p:ext>
+  </p:extLst>
 </p:presentation>
 </file>
 
@@ -254,7 +259,7 @@
           <a:p>
             <a:fld id="{6F6EE285-E77B-0446-9AF6-8F1B1A53B26E}" type="datetimeFigureOut">
               <a:rPr lang="en-US" smtClean="0"/>
-              <a:t>7/20/21</a:t>
+              <a:t>7/28/21</a:t>
             </a:fld>
             <a:endParaRPr lang="en-US"/>
           </a:p>
@@ -452,7 +457,7 @@
           <a:p>
             <a:fld id="{6F6EE285-E77B-0446-9AF6-8F1B1A53B26E}" type="datetimeFigureOut">
               <a:rPr lang="en-US" smtClean="0"/>
-              <a:t>7/20/21</a:t>
+              <a:t>7/28/21</a:t>
             </a:fld>
             <a:endParaRPr lang="en-US"/>
           </a:p>
@@ -660,7 +665,7 @@
           <a:p>
             <a:fld id="{6F6EE285-E77B-0446-9AF6-8F1B1A53B26E}" type="datetimeFigureOut">
               <a:rPr lang="en-US" smtClean="0"/>
-              <a:t>7/20/21</a:t>
+              <a:t>7/28/21</a:t>
             </a:fld>
             <a:endParaRPr lang="en-US"/>
           </a:p>
@@ -858,7 +863,7 @@
           <a:p>
             <a:fld id="{6F6EE285-E77B-0446-9AF6-8F1B1A53B26E}" type="datetimeFigureOut">
               <a:rPr lang="en-US" smtClean="0"/>
-              <a:t>7/20/21</a:t>
+              <a:t>7/28/21</a:t>
             </a:fld>
             <a:endParaRPr lang="en-US"/>
           </a:p>
@@ -1133,7 +1138,7 @@
           <a:p>
             <a:fld id="{6F6EE285-E77B-0446-9AF6-8F1B1A53B26E}" type="datetimeFigureOut">
               <a:rPr lang="en-US" smtClean="0"/>
-              <a:t>7/20/21</a:t>
+              <a:t>7/28/21</a:t>
             </a:fld>
             <a:endParaRPr lang="en-US"/>
           </a:p>
@@ -1398,7 +1403,7 @@
           <a:p>
             <a:fld id="{6F6EE285-E77B-0446-9AF6-8F1B1A53B26E}" type="datetimeFigureOut">
               <a:rPr lang="en-US" smtClean="0"/>
-              <a:t>7/20/21</a:t>
+              <a:t>7/28/21</a:t>
             </a:fld>
             <a:endParaRPr lang="en-US"/>
           </a:p>
@@ -1810,7 +1815,7 @@
           <a:p>
             <a:fld id="{6F6EE285-E77B-0446-9AF6-8F1B1A53B26E}" type="datetimeFigureOut">
               <a:rPr lang="en-US" smtClean="0"/>
-              <a:t>7/20/21</a:t>
+              <a:t>7/28/21</a:t>
             </a:fld>
             <a:endParaRPr lang="en-US"/>
           </a:p>
@@ -1951,7 +1956,7 @@
           <a:p>
             <a:fld id="{6F6EE285-E77B-0446-9AF6-8F1B1A53B26E}" type="datetimeFigureOut">
               <a:rPr lang="en-US" smtClean="0"/>
-              <a:t>7/20/21</a:t>
+              <a:t>7/28/21</a:t>
             </a:fld>
             <a:endParaRPr lang="en-US"/>
           </a:p>
@@ -2064,7 +2069,7 @@
           <a:p>
             <a:fld id="{6F6EE285-E77B-0446-9AF6-8F1B1A53B26E}" type="datetimeFigureOut">
               <a:rPr lang="en-US" smtClean="0"/>
-              <a:t>7/20/21</a:t>
+              <a:t>7/28/21</a:t>
             </a:fld>
             <a:endParaRPr lang="en-US"/>
           </a:p>
@@ -2375,7 +2380,7 @@
           <a:p>
             <a:fld id="{6F6EE285-E77B-0446-9AF6-8F1B1A53B26E}" type="datetimeFigureOut">
               <a:rPr lang="en-US" smtClean="0"/>
-              <a:t>7/20/21</a:t>
+              <a:t>7/28/21</a:t>
             </a:fld>
             <a:endParaRPr lang="en-US"/>
           </a:p>
@@ -2663,7 +2668,7 @@
           <a:p>
             <a:fld id="{6F6EE285-E77B-0446-9AF6-8F1B1A53B26E}" type="datetimeFigureOut">
               <a:rPr lang="en-US" smtClean="0"/>
-              <a:t>7/20/21</a:t>
+              <a:t>7/28/21</a:t>
             </a:fld>
             <a:endParaRPr lang="en-US"/>
           </a:p>
@@ -2904,7 +2909,7 @@
           <a:p>
             <a:fld id="{6F6EE285-E77B-0446-9AF6-8F1B1A53B26E}" type="datetimeFigureOut">
               <a:rPr lang="en-US" smtClean="0"/>
-              <a:t>7/20/21</a:t>
+              <a:t>7/28/21</a:t>
             </a:fld>
             <a:endParaRPr lang="en-US"/>
           </a:p>
@@ -3334,10 +3339,10 @@
       </p:grpSpPr>
       <p:pic>
         <p:nvPicPr>
-          <p:cNvPr id="5" name="Picture 4">
-            <a:extLst>
-              <a:ext uri="{FF2B5EF4-FFF2-40B4-BE49-F238E27FC236}">
-                <a16:creationId xmlns:a16="http://schemas.microsoft.com/office/drawing/2014/main" id="{CF084888-6491-F644-B95E-543E8B5B140C}"/>
+          <p:cNvPr id="3" name="Picture 2">
+            <a:extLst>
+              <a:ext uri="{FF2B5EF4-FFF2-40B4-BE49-F238E27FC236}">
+                <a16:creationId xmlns:a16="http://schemas.microsoft.com/office/drawing/2014/main" id="{D854F0D1-6A8E-304B-A07A-DE22B9EC0E88}"/>
               </a:ext>
             </a:extLst>
           </p:cNvPr>
@@ -3360,13 +3365,6 @@
           <a:prstGeom prst="rect">
             <a:avLst/>
           </a:prstGeom>
-          <a:ln w="12700">
-            <a:solidFill>
-              <a:schemeClr val="bg1">
-                <a:lumMod val="65000"/>
-              </a:schemeClr>
-            </a:solidFill>
-          </a:ln>
         </p:spPr>
       </p:pic>
       <p:pic>
@@ -3846,6 +3844,109 @@
             <a:r>
               <a:rPr lang="en-US" sz="1400" dirty="0"/>
               <a:t>8</a:t>
+            </a:r>
+          </a:p>
+        </p:txBody>
+      </p:sp>
+      <p:sp>
+        <p:nvSpPr>
+          <p:cNvPr id="19" name="Down Arrow 18">
+            <a:extLst>
+              <a:ext uri="{FF2B5EF4-FFF2-40B4-BE49-F238E27FC236}">
+                <a16:creationId xmlns:a16="http://schemas.microsoft.com/office/drawing/2014/main" id="{BFB025A1-CEF4-054B-90A8-039C6352568F}"/>
+              </a:ext>
+            </a:extLst>
+          </p:cNvPr>
+          <p:cNvSpPr/>
+          <p:nvPr/>
+        </p:nvSpPr>
+        <p:spPr>
+          <a:xfrm>
+            <a:off x="2699065" y="5012668"/>
+            <a:ext cx="396000" cy="542925"/>
+          </a:xfrm>
+          <a:prstGeom prst="downArrow">
+            <a:avLst/>
+          </a:prstGeom>
+        </p:spPr>
+        <p:style>
+          <a:lnRef idx="2">
+            <a:schemeClr val="accent1">
+              <a:shade val="50000"/>
+            </a:schemeClr>
+          </a:lnRef>
+          <a:fillRef idx="1">
+            <a:schemeClr val="accent1"/>
+          </a:fillRef>
+          <a:effectRef idx="0">
+            <a:schemeClr val="accent1"/>
+          </a:effectRef>
+          <a:fontRef idx="minor">
+            <a:schemeClr val="lt1"/>
+          </a:fontRef>
+        </p:style>
+        <p:txBody>
+          <a:bodyPr rtlCol="0" anchor="ctr"/>
+          <a:lstStyle/>
+          <a:p>
+            <a:pPr algn="ctr"/>
+            <a:r>
+              <a:rPr lang="en-US" sz="1400" dirty="0"/>
+              <a:t>9</a:t>
+            </a:r>
+          </a:p>
+        </p:txBody>
+      </p:sp>
+      <p:sp>
+        <p:nvSpPr>
+          <p:cNvPr id="23" name="Left Arrow 22">
+            <a:extLst>
+              <a:ext uri="{FF2B5EF4-FFF2-40B4-BE49-F238E27FC236}">
+                <a16:creationId xmlns:a16="http://schemas.microsoft.com/office/drawing/2014/main" id="{5E5B4413-1465-1345-83E2-DF868D3F3C5B}"/>
+              </a:ext>
+            </a:extLst>
+          </p:cNvPr>
+          <p:cNvSpPr/>
+          <p:nvPr/>
+        </p:nvSpPr>
+        <p:spPr>
+          <a:xfrm>
+            <a:off x="3534587" y="3772264"/>
+            <a:ext cx="607218" cy="414338"/>
+          </a:xfrm>
+          <a:prstGeom prst="leftArrow">
+            <a:avLst/>
+          </a:prstGeom>
+          <a:ln>
+            <a:solidFill>
+              <a:schemeClr val="bg1"/>
+            </a:solidFill>
+          </a:ln>
+        </p:spPr>
+        <p:style>
+          <a:lnRef idx="2">
+            <a:schemeClr val="accent1">
+              <a:shade val="50000"/>
+            </a:schemeClr>
+          </a:lnRef>
+          <a:fillRef idx="1">
+            <a:schemeClr val="accent1"/>
+          </a:fillRef>
+          <a:effectRef idx="0">
+            <a:schemeClr val="accent1"/>
+          </a:effectRef>
+          <a:fontRef idx="minor">
+            <a:schemeClr val="lt1"/>
+          </a:fontRef>
+        </p:style>
+        <p:txBody>
+          <a:bodyPr rtlCol="0" anchor="ctr"/>
+          <a:lstStyle/>
+          <a:p>
+            <a:pPr algn="ctr"/>
+            <a:r>
+              <a:rPr lang="en-US" sz="1400" dirty="0"/>
+              <a:t>9.1</a:t>
             </a:r>
           </a:p>
         </p:txBody>
